--- a/Summary/Raf_Presentation.pptx
+++ b/Summary/Raf_Presentation.pptx
@@ -22,6 +22,8 @@
     <p:sldId id="270" r:id="rId16"/>
     <p:sldId id="272" r:id="rId17"/>
     <p:sldId id="271" r:id="rId18"/>
+    <p:sldId id="273" r:id="rId19"/>
+    <p:sldId id="274" r:id="rId20"/>
   </p:sldIdLst>
   <p:sldSz cx="12192000" cy="6858000"/>
   <p:notesSz cx="6858000" cy="9144000"/>
@@ -3097,7 +3099,6 @@
               <a:rPr lang="en-US" dirty="0"/>
               <a:t>. Deduplication and Compression Techniques in Cloud Design</a:t>
             </a:r>
-            <a:endParaRPr lang="en-US" dirty="0"/>
           </a:p>
         </p:txBody>
       </p:sp>
@@ -3446,7 +3447,6 @@
               <a:rPr lang="en-US" sz="4000" dirty="0"/>
               <a:t>– contains files of size &gt; 1 GB.</a:t>
             </a:r>
-            <a:endParaRPr lang="en-US" sz="4000" dirty="0"/>
           </a:p>
         </p:txBody>
       </p:sp>
@@ -3719,15 +3719,23 @@
           <a:p>
             <a:r>
               <a:rPr lang="en-US" dirty="0"/>
-              <a:t>3. AA-</a:t>
-            </a:r>
-            <a:r>
-              <a:rPr lang="en-US" dirty="0" err="1"/>
-              <a:t>Dedupe</a:t>
+              <a:t>3. </a:t>
             </a:r>
             <a:r>
               <a:rPr lang="en-US" dirty="0"/>
-              <a:t>: An Application-Aware Source Deduplication Approach for Cloud Backup Services in the Personal Computing Environment</a:t>
+              <a:t>SAM: A Semantic-Aware Multi-Tiered </a:t>
+            </a:r>
+            <a:r>
+              <a:rPr lang="en-US" dirty="0" smtClean="0"/>
+              <a:t>Source De-duplication </a:t>
+            </a:r>
+            <a:r>
+              <a:rPr lang="en-US" dirty="0"/>
+              <a:t>Framework for </a:t>
+            </a:r>
+            <a:r>
+              <a:rPr lang="en-US" dirty="0" smtClean="0"/>
+              <a:t>Cloud Backup</a:t>
             </a:r>
             <a:endParaRPr lang="en-US" dirty="0"/>
           </a:p>
@@ -3785,7 +3793,11 @@
           <a:bodyPr/>
           <a:lstStyle/>
           <a:p>
-            <a:endParaRPr lang="en-US"/>
+            <a:r>
+              <a:rPr lang="en-US" dirty="0" smtClean="0"/>
+              <a:t>Focus</a:t>
+            </a:r>
+            <a:endParaRPr lang="en-US" dirty="0"/>
           </a:p>
         </p:txBody>
       </p:sp>
@@ -3804,7 +3816,88 @@
           <a:bodyPr/>
           <a:lstStyle/>
           <a:p>
-            <a:endParaRPr lang="en-US"/>
+            <a:r>
+              <a:rPr lang="en-US" dirty="0" smtClean="0"/>
+              <a:t>Trade-offs</a:t>
+            </a:r>
+          </a:p>
+          <a:p>
+            <a:r>
+              <a:rPr lang="en-US" dirty="0"/>
+              <a:t>H</a:t>
+            </a:r>
+            <a:r>
+              <a:rPr lang="en-US" dirty="0" smtClean="0"/>
+              <a:t>igh </a:t>
+            </a:r>
+            <a:r>
+              <a:rPr lang="en-US" dirty="0"/>
+              <a:t>compression ratios </a:t>
+            </a:r>
+            <a:r>
+              <a:rPr lang="en-US" dirty="0" smtClean="0"/>
+              <a:t>vs...</a:t>
+            </a:r>
+            <a:endParaRPr lang="en-US" dirty="0"/>
+          </a:p>
+          <a:p>
+            <a:pPr lvl="1"/>
+            <a:r>
+              <a:rPr lang="en-US" dirty="0" smtClean="0"/>
+              <a:t>At the cost of </a:t>
+            </a:r>
+            <a:r>
+              <a:rPr lang="en-US" dirty="0"/>
+              <a:t>heavy </a:t>
+            </a:r>
+            <a:r>
+              <a:rPr lang="en-US" dirty="0" smtClean="0"/>
+              <a:t>overheads </a:t>
+            </a:r>
+          </a:p>
+          <a:p>
+            <a:pPr lvl="1"/>
+            <a:endParaRPr lang="en-US" dirty="0" smtClean="0"/>
+          </a:p>
+          <a:p>
+            <a:r>
+              <a:rPr lang="en-US" dirty="0" smtClean="0"/>
+              <a:t>Small overheads</a:t>
+            </a:r>
+          </a:p>
+          <a:p>
+            <a:pPr lvl="1"/>
+            <a:r>
+              <a:rPr lang="en-US" dirty="0" smtClean="0"/>
+              <a:t>at </a:t>
+            </a:r>
+            <a:r>
+              <a:rPr lang="en-US" dirty="0"/>
+              <a:t>the cost </a:t>
+            </a:r>
+            <a:r>
+              <a:rPr lang="en-US" dirty="0" smtClean="0"/>
+              <a:t>of high data transmission</a:t>
+            </a:r>
+          </a:p>
+          <a:p>
+            <a:pPr lvl="1"/>
+            <a:endParaRPr lang="en-US" dirty="0" smtClean="0"/>
+          </a:p>
+          <a:p>
+            <a:r>
+              <a:rPr lang="en-US" dirty="0" smtClean="0"/>
+              <a:t>global ﬁle-level deduplication </a:t>
+            </a:r>
+            <a:r>
+              <a:rPr lang="en-US" dirty="0" err="1" smtClean="0"/>
+              <a:t>vs</a:t>
+            </a:r>
+            <a:r>
+              <a:rPr lang="en-US" dirty="0" smtClean="0"/>
+              <a:t> chunk-level deduplication</a:t>
+            </a:r>
+            <a:endParaRPr lang="en-US" dirty="0"/>
           </a:p>
         </p:txBody>
       </p:sp>
@@ -3812,6 +3905,227 @@
     <p:extLst>
       <p:ext uri="{BB962C8B-B14F-4D97-AF65-F5344CB8AC3E}">
         <p14:creationId xmlns:p14="http://schemas.microsoft.com/office/powerpoint/2010/main" val="1240160171"/>
+      </p:ext>
+    </p:extLst>
+  </p:cSld>
+  <p:clrMapOvr>
+    <a:masterClrMapping/>
+  </p:clrMapOvr>
+</p:sld>
+</file>
+
+<file path=ppt/slides/slide18.xml><?xml version="1.0" encoding="utf-8"?>
+<p:sld xmlns:a="http://schemas.openxmlformats.org/drawingml/2006/main" xmlns:r="http://schemas.openxmlformats.org/officeDocument/2006/relationships" xmlns:p="http://schemas.openxmlformats.org/presentationml/2006/main">
+  <p:cSld>
+    <p:spTree>
+      <p:nvGrpSpPr>
+        <p:cNvPr id="1" name=""/>
+        <p:cNvGrpSpPr/>
+        <p:nvPr/>
+      </p:nvGrpSpPr>
+      <p:grpSpPr>
+        <a:xfrm>
+          <a:off x="0" y="0"/>
+          <a:ext cx="0" cy="0"/>
+          <a:chOff x="0" y="0"/>
+          <a:chExt cx="0" cy="0"/>
+        </a:xfrm>
+      </p:grpSpPr>
+      <p:sp>
+        <p:nvSpPr>
+          <p:cNvPr id="2" name="Title 1"/>
+          <p:cNvSpPr>
+            <a:spLocks noGrp="1"/>
+          </p:cNvSpPr>
+          <p:nvPr>
+            <p:ph type="title"/>
+          </p:nvPr>
+        </p:nvSpPr>
+        <p:spPr/>
+        <p:txBody>
+          <a:bodyPr/>
+          <a:lstStyle/>
+          <a:p>
+            <a:r>
+              <a:rPr lang="en-US" dirty="0" smtClean="0"/>
+              <a:t>Observations</a:t>
+            </a:r>
+            <a:endParaRPr lang="en-US" dirty="0"/>
+          </a:p>
+        </p:txBody>
+      </p:sp>
+      <p:sp>
+        <p:nvSpPr>
+          <p:cNvPr id="3" name="Content Placeholder 2"/>
+          <p:cNvSpPr>
+            <a:spLocks noGrp="1"/>
+          </p:cNvSpPr>
+          <p:nvPr>
+            <p:ph idx="1"/>
+          </p:nvPr>
+        </p:nvSpPr>
+        <p:spPr/>
+        <p:txBody>
+          <a:bodyPr/>
+          <a:lstStyle/>
+          <a:p>
+            <a:r>
+              <a:rPr lang="en-US" dirty="0"/>
+              <a:t>it is observed that the redundant data across different clients is dominated largely </a:t>
+            </a:r>
+            <a:r>
+              <a:rPr lang="en-US" dirty="0" smtClean="0"/>
+              <a:t>by duplicate ﬁles</a:t>
+            </a:r>
+          </a:p>
+          <a:p>
+            <a:endParaRPr lang="en-US" dirty="0"/>
+          </a:p>
+          <a:p>
+            <a:r>
+              <a:rPr lang="en-US" dirty="0"/>
+              <a:t>many ﬁle-level semantic attributes can be </a:t>
+            </a:r>
+            <a:r>
+              <a:rPr lang="en-US" dirty="0" smtClean="0"/>
+              <a:t>exploited to </a:t>
+            </a:r>
+            <a:r>
+              <a:rPr lang="en-US" dirty="0"/>
+              <a:t>narrow the search space of redundant data</a:t>
+            </a:r>
+          </a:p>
+        </p:txBody>
+      </p:sp>
+    </p:spTree>
+    <p:extLst>
+      <p:ext uri="{BB962C8B-B14F-4D97-AF65-F5344CB8AC3E}">
+        <p14:creationId xmlns:p14="http://schemas.microsoft.com/office/powerpoint/2010/main" val="1411422645"/>
+      </p:ext>
+    </p:extLst>
+  </p:cSld>
+  <p:clrMapOvr>
+    <a:masterClrMapping/>
+  </p:clrMapOvr>
+</p:sld>
+</file>
+
+<file path=ppt/slides/slide19.xml><?xml version="1.0" encoding="utf-8"?>
+<p:sld xmlns:a="http://schemas.openxmlformats.org/drawingml/2006/main" xmlns:r="http://schemas.openxmlformats.org/officeDocument/2006/relationships" xmlns:p="http://schemas.openxmlformats.org/presentationml/2006/main">
+  <p:cSld>
+    <p:spTree>
+      <p:nvGrpSpPr>
+        <p:cNvPr id="1" name=""/>
+        <p:cNvGrpSpPr/>
+        <p:nvPr/>
+      </p:nvGrpSpPr>
+      <p:grpSpPr>
+        <a:xfrm>
+          <a:off x="0" y="0"/>
+          <a:ext cx="0" cy="0"/>
+          <a:chOff x="0" y="0"/>
+          <a:chExt cx="0" cy="0"/>
+        </a:xfrm>
+      </p:grpSpPr>
+      <p:sp>
+        <p:nvSpPr>
+          <p:cNvPr id="2" name="Title 1"/>
+          <p:cNvSpPr>
+            <a:spLocks noGrp="1"/>
+          </p:cNvSpPr>
+          <p:nvPr>
+            <p:ph type="title"/>
+          </p:nvPr>
+        </p:nvSpPr>
+        <p:spPr/>
+        <p:txBody>
+          <a:bodyPr/>
+          <a:lstStyle/>
+          <a:p>
+            <a:endParaRPr lang="en-US" dirty="0"/>
+          </a:p>
+        </p:txBody>
+      </p:sp>
+      <p:sp>
+        <p:nvSpPr>
+          <p:cNvPr id="3" name="Content Placeholder 2"/>
+          <p:cNvSpPr>
+            <a:spLocks noGrp="1"/>
+          </p:cNvSpPr>
+          <p:nvPr>
+            <p:ph idx="1"/>
+          </p:nvPr>
+        </p:nvSpPr>
+        <p:spPr/>
+        <p:txBody>
+          <a:bodyPr/>
+          <a:lstStyle/>
+          <a:p>
+            <a:r>
+              <a:rPr lang="en-US" dirty="0"/>
+              <a:t>File </a:t>
+            </a:r>
+            <a:r>
+              <a:rPr lang="en-US" dirty="0" smtClean="0"/>
+              <a:t>Locality</a:t>
+            </a:r>
+          </a:p>
+          <a:p>
+            <a:r>
+              <a:rPr lang="en-US" dirty="0"/>
+              <a:t>File </a:t>
+            </a:r>
+            <a:r>
+              <a:rPr lang="en-US" dirty="0" smtClean="0"/>
+              <a:t>Size</a:t>
+            </a:r>
+          </a:p>
+          <a:p>
+            <a:pPr lvl="1"/>
+            <a:r>
+              <a:rPr lang="en-US" dirty="0"/>
+              <a:t>63.8% of </a:t>
+            </a:r>
+            <a:r>
+              <a:rPr lang="en-US" dirty="0" smtClean="0"/>
+              <a:t>the identical </a:t>
+            </a:r>
+            <a:r>
+              <a:rPr lang="en-US" dirty="0"/>
+              <a:t>ﬁles are smaller than 8KB, accounting for </a:t>
+            </a:r>
+            <a:r>
+              <a:rPr lang="en-US" dirty="0" smtClean="0"/>
+              <a:t>only 0.53</a:t>
+            </a:r>
+            <a:r>
+              <a:rPr lang="en-US" dirty="0"/>
+              <a:t>% of the redundant data</a:t>
+            </a:r>
+            <a:endParaRPr lang="en-US" dirty="0" smtClean="0"/>
+          </a:p>
+          <a:p>
+            <a:r>
+              <a:rPr lang="en-US" dirty="0"/>
+              <a:t>File </a:t>
+            </a:r>
+            <a:r>
+              <a:rPr lang="en-US" dirty="0" smtClean="0"/>
+              <a:t>Type</a:t>
+            </a:r>
+          </a:p>
+          <a:p>
+            <a:r>
+              <a:rPr lang="en-US" dirty="0"/>
+              <a:t>File Timestamp</a:t>
+            </a:r>
+          </a:p>
+        </p:txBody>
+      </p:sp>
+    </p:spTree>
+    <p:extLst>
+      <p:ext uri="{BB962C8B-B14F-4D97-AF65-F5344CB8AC3E}">
+        <p14:creationId xmlns:p14="http://schemas.microsoft.com/office/powerpoint/2010/main" val="1860740159"/>
       </p:ext>
     </p:extLst>
   </p:cSld>

--- a/Summary/Raf_Presentation.pptx
+++ b/Summary/Raf_Presentation.pptx
@@ -24,6 +24,7 @@
     <p:sldId id="271" r:id="rId18"/>
     <p:sldId id="273" r:id="rId19"/>
     <p:sldId id="274" r:id="rId20"/>
+    <p:sldId id="275" r:id="rId21"/>
   </p:sldIdLst>
   <p:sldSz cx="12192000" cy="6858000"/>
   <p:notesSz cx="6858000" cy="9144000"/>
@@ -3719,11 +3720,7 @@
           <a:p>
             <a:r>
               <a:rPr lang="en-US" dirty="0"/>
-              <a:t>3. </a:t>
-            </a:r>
-            <a:r>
-              <a:rPr lang="en-US" dirty="0"/>
-              <a:t>SAM: A Semantic-Aware Multi-Tiered </a:t>
+              <a:t>3. SAM: A Semantic-Aware Multi-Tiered </a:t>
             </a:r>
             <a:r>
               <a:rPr lang="en-US" dirty="0" smtClean="0"/>
@@ -4042,6 +4039,10 @@
           <a:bodyPr/>
           <a:lstStyle/>
           <a:p>
+            <a:r>
+              <a:rPr lang="en-US" dirty="0" smtClean="0"/>
+              <a:t>Exploited file semantics</a:t>
+            </a:r>
             <a:endParaRPr lang="en-US" dirty="0"/>
           </a:p>
         </p:txBody>
@@ -4273,6 +4274,187 @@
       </p:par>
     </p:tnLst>
   </p:timing>
+</p:sld>
+</file>
+
+<file path=ppt/slides/slide20.xml><?xml version="1.0" encoding="utf-8"?>
+<p:sld xmlns:a="http://schemas.openxmlformats.org/drawingml/2006/main" xmlns:r="http://schemas.openxmlformats.org/officeDocument/2006/relationships" xmlns:p="http://schemas.openxmlformats.org/presentationml/2006/main">
+  <p:cSld>
+    <p:spTree>
+      <p:nvGrpSpPr>
+        <p:cNvPr id="1" name=""/>
+        <p:cNvGrpSpPr/>
+        <p:nvPr/>
+      </p:nvGrpSpPr>
+      <p:grpSpPr>
+        <a:xfrm>
+          <a:off x="0" y="0"/>
+          <a:ext cx="0" cy="0"/>
+          <a:chOff x="0" y="0"/>
+          <a:chExt cx="0" cy="0"/>
+        </a:xfrm>
+      </p:grpSpPr>
+      <p:sp>
+        <p:nvSpPr>
+          <p:cNvPr id="2" name="Title 1"/>
+          <p:cNvSpPr>
+            <a:spLocks noGrp="1"/>
+          </p:cNvSpPr>
+          <p:nvPr>
+            <p:ph type="title"/>
+          </p:nvPr>
+        </p:nvSpPr>
+        <p:spPr/>
+        <p:txBody>
+          <a:bodyPr/>
+          <a:lstStyle/>
+          <a:p>
+            <a:r>
+              <a:rPr lang="en-US" dirty="0" smtClean="0"/>
+              <a:t>Results</a:t>
+            </a:r>
+            <a:endParaRPr lang="en-US" dirty="0"/>
+          </a:p>
+        </p:txBody>
+      </p:sp>
+      <p:sp>
+        <p:nvSpPr>
+          <p:cNvPr id="3" name="Content Placeholder 2"/>
+          <p:cNvSpPr>
+            <a:spLocks noGrp="1"/>
+          </p:cNvSpPr>
+          <p:nvPr>
+            <p:ph idx="1"/>
+          </p:nvPr>
+        </p:nvSpPr>
+        <p:spPr/>
+        <p:txBody>
+          <a:bodyPr>
+            <a:normAutofit lnSpcReduction="10000"/>
+          </a:bodyPr>
+          <a:lstStyle/>
+          <a:p>
+            <a:r>
+              <a:rPr lang="en-US" dirty="0"/>
+              <a:t>Compared </a:t>
+            </a:r>
+            <a:r>
+              <a:rPr lang="en-US" dirty="0" smtClean="0"/>
+              <a:t>to</a:t>
+            </a:r>
+          </a:p>
+          <a:p>
+            <a:r>
+              <a:rPr lang="en-US" dirty="0" smtClean="0"/>
+              <a:t>L-CDS </a:t>
+            </a:r>
+            <a:r>
+              <a:rPr lang="en-US" dirty="0"/>
+              <a:t>(source local </a:t>
+            </a:r>
+            <a:r>
+              <a:rPr lang="en-US" dirty="0" err="1"/>
+              <a:t>chunklevel</a:t>
+            </a:r>
+            <a:r>
+              <a:rPr lang="en-US" dirty="0"/>
+              <a:t> de-duplication scheme) </a:t>
+            </a:r>
+            <a:r>
+              <a:rPr lang="en-US" dirty="0" smtClean="0"/>
+              <a:t>and</a:t>
+            </a:r>
+          </a:p>
+          <a:p>
+            <a:r>
+              <a:rPr lang="en-US" dirty="0" smtClean="0"/>
+              <a:t>G-CDS </a:t>
+            </a:r>
+            <a:r>
+              <a:rPr lang="en-US" dirty="0"/>
+              <a:t>(source </a:t>
+            </a:r>
+            <a:r>
+              <a:rPr lang="en-US" dirty="0" smtClean="0"/>
+              <a:t>global chunk-level deduplication </a:t>
+            </a:r>
+            <a:r>
+              <a:rPr lang="en-US" dirty="0"/>
+              <a:t>scheme) with real-world datasets,</a:t>
+            </a:r>
+          </a:p>
+          <a:p>
+            <a:r>
+              <a:rPr lang="en-US" dirty="0"/>
+              <a:t>SAM achieves the compression ratio approaching </a:t>
+            </a:r>
+            <a:r>
+              <a:rPr lang="en-US" dirty="0" smtClean="0"/>
+              <a:t>to G-CDS </a:t>
+            </a:r>
+            <a:r>
+              <a:rPr lang="en-US" dirty="0"/>
+              <a:t>by a </a:t>
+            </a:r>
+            <a:r>
+              <a:rPr lang="en-US" dirty="0" smtClean="0"/>
+              <a:t>margin </a:t>
+            </a:r>
+            <a:r>
+              <a:rPr lang="en-US" dirty="0"/>
+              <a:t>of 1.35% while incurring the </a:t>
+            </a:r>
+            <a:r>
+              <a:rPr lang="en-US" dirty="0" smtClean="0"/>
+              <a:t>overhead </a:t>
+            </a:r>
+            <a:r>
+              <a:rPr lang="en-US" dirty="0"/>
+              <a:t>close to that of the L-CDS </a:t>
+            </a:r>
+            <a:r>
+              <a:rPr lang="en-US" dirty="0" smtClean="0"/>
+              <a:t>method</a:t>
+            </a:r>
+          </a:p>
+          <a:p>
+            <a:r>
+              <a:rPr lang="en-US" dirty="0" smtClean="0"/>
+              <a:t>Achieving </a:t>
+            </a:r>
+            <a:r>
+              <a:rPr lang="en-US" dirty="0"/>
+              <a:t>a higher de-duplication </a:t>
+            </a:r>
+            <a:r>
+              <a:rPr lang="en-US" dirty="0" smtClean="0"/>
+              <a:t>efﬁciency/overhead ratio </a:t>
+            </a:r>
+            <a:r>
+              <a:rPr lang="en-US" dirty="0"/>
+              <a:t>than existing solutions and shortens the backup </a:t>
+            </a:r>
+            <a:r>
+              <a:rPr lang="en-US" dirty="0" smtClean="0"/>
+              <a:t>window by </a:t>
+            </a:r>
+            <a:r>
+              <a:rPr lang="en-US" dirty="0"/>
+              <a:t>an average of 38.7%</a:t>
+            </a:r>
+          </a:p>
+        </p:txBody>
+      </p:sp>
+    </p:spTree>
+    <p:extLst>
+      <p:ext uri="{BB962C8B-B14F-4D97-AF65-F5344CB8AC3E}">
+        <p14:creationId xmlns:p14="http://schemas.microsoft.com/office/powerpoint/2010/main" val="1202531586"/>
+      </p:ext>
+    </p:extLst>
+  </p:cSld>
+  <p:clrMapOvr>
+    <a:masterClrMapping/>
+  </p:clrMapOvr>
 </p:sld>
 </file>
 
